--- a/Blockchain/MDT BlockChain.pptx
+++ b/Blockchain/MDT BlockChain.pptx
@@ -132,6 +132,9 @@
         </p14:section>
       </p14:sectionLst>
     </p:ext>
+    <p:ext uri="{EFAFB233-063F-42B5-8137-9DF3F51BA10A}">
+      <p15:sldGuideLst xmlns:p15="http://schemas.microsoft.com/office/powerpoint/2012/main"/>
+    </p:ext>
   </p:extLst>
 </p:presentation>
 </file>
@@ -139,7 +142,7 @@
 <file path=ppt/revisionInfo.xml><?xml version="1.0" encoding="utf-8"?>
 <p1510:revInfo xmlns:a="http://schemas.openxmlformats.org/drawingml/2006/main" xmlns:r="http://schemas.openxmlformats.org/officeDocument/2006/relationships" xmlns:p1510="http://schemas.microsoft.com/office/powerpoint/2015/10/main">
   <p1510:revLst>
-    <p1510:client id="{41D8D375-616F-4110-AD99-8EAB838BDA75}" v="180" dt="2024-02-29T03:48:51.821"/>
+    <p1510:client id="{41D8D375-616F-4110-AD99-8EAB838BDA75}" v="183" dt="2024-02-29T03:56:38.713"/>
   </p1510:revLst>
 </p1510:revInfo>
 </file>
@@ -149,7 +152,7 @@
   <pc:docChgLst>
     <pc:chgData name="Alexandre FETT" userId="4aa5d0028174e1e9" providerId="LiveId" clId="{41D8D375-616F-4110-AD99-8EAB838BDA75}"/>
     <pc:docChg chg="undo redo custSel addSld delSld modSld sldOrd addSection delSection modSection">
-      <pc:chgData name="Alexandre FETT" userId="4aa5d0028174e1e9" providerId="LiveId" clId="{41D8D375-616F-4110-AD99-8EAB838BDA75}" dt="2024-02-29T03:49:10.464" v="1542" actId="20577"/>
+      <pc:chgData name="Alexandre FETT" userId="4aa5d0028174e1e9" providerId="LiveId" clId="{41D8D375-616F-4110-AD99-8EAB838BDA75}" dt="2024-02-29T03:56:55.505" v="1576" actId="20577"/>
       <pc:docMkLst>
         <pc:docMk/>
       </pc:docMkLst>
@@ -1173,7 +1176,7 @@
         </pc:picChg>
       </pc:sldChg>
       <pc:sldChg chg="addSp modSp add mod setBg">
-        <pc:chgData name="Alexandre FETT" userId="4aa5d0028174e1e9" providerId="LiveId" clId="{41D8D375-616F-4110-AD99-8EAB838BDA75}" dt="2024-02-29T03:45:16.510" v="1496" actId="255"/>
+        <pc:chgData name="Alexandre FETT" userId="4aa5d0028174e1e9" providerId="LiveId" clId="{41D8D375-616F-4110-AD99-8EAB838BDA75}" dt="2024-02-29T03:56:55.505" v="1576" actId="20577"/>
         <pc:sldMkLst>
           <pc:docMk/>
           <pc:sldMk cId="2254904274" sldId="264"/>
@@ -1187,7 +1190,7 @@
           </ac:spMkLst>
         </pc:spChg>
         <pc:spChg chg="mod">
-          <ac:chgData name="Alexandre FETT" userId="4aa5d0028174e1e9" providerId="LiveId" clId="{41D8D375-616F-4110-AD99-8EAB838BDA75}" dt="2024-02-29T03:44:22.911" v="1482" actId="6549"/>
+          <ac:chgData name="Alexandre FETT" userId="4aa5d0028174e1e9" providerId="LiveId" clId="{41D8D375-616F-4110-AD99-8EAB838BDA75}" dt="2024-02-29T03:56:55.505" v="1576" actId="20577"/>
           <ac:spMkLst>
             <pc:docMk/>
             <pc:sldMk cId="2254904274" sldId="264"/>
@@ -1347,7 +1350,7 @@
           <a:p>
             <a:fld id="{65D2D6BD-67E1-45FF-8C26-CA3CC2373C36}" type="datetimeFigureOut">
               <a:rPr lang="pt-BR" smtClean="0"/>
-              <a:t>28/02/2024</a:t>
+              <a:t>29/02/2024</a:t>
             </a:fld>
             <a:endParaRPr lang="pt-BR"/>
           </a:p>
@@ -1545,7 +1548,7 @@
           <a:p>
             <a:fld id="{65D2D6BD-67E1-45FF-8C26-CA3CC2373C36}" type="datetimeFigureOut">
               <a:rPr lang="pt-BR" smtClean="0"/>
-              <a:t>28/02/2024</a:t>
+              <a:t>29/02/2024</a:t>
             </a:fld>
             <a:endParaRPr lang="pt-BR"/>
           </a:p>
@@ -1753,7 +1756,7 @@
           <a:p>
             <a:fld id="{65D2D6BD-67E1-45FF-8C26-CA3CC2373C36}" type="datetimeFigureOut">
               <a:rPr lang="pt-BR" smtClean="0"/>
-              <a:t>28/02/2024</a:t>
+              <a:t>29/02/2024</a:t>
             </a:fld>
             <a:endParaRPr lang="pt-BR"/>
           </a:p>
@@ -1951,7 +1954,7 @@
           <a:p>
             <a:fld id="{65D2D6BD-67E1-45FF-8C26-CA3CC2373C36}" type="datetimeFigureOut">
               <a:rPr lang="pt-BR" smtClean="0"/>
-              <a:t>28/02/2024</a:t>
+              <a:t>29/02/2024</a:t>
             </a:fld>
             <a:endParaRPr lang="pt-BR"/>
           </a:p>
@@ -2226,7 +2229,7 @@
           <a:p>
             <a:fld id="{65D2D6BD-67E1-45FF-8C26-CA3CC2373C36}" type="datetimeFigureOut">
               <a:rPr lang="pt-BR" smtClean="0"/>
-              <a:t>28/02/2024</a:t>
+              <a:t>29/02/2024</a:t>
             </a:fld>
             <a:endParaRPr lang="pt-BR"/>
           </a:p>
@@ -2491,7 +2494,7 @@
           <a:p>
             <a:fld id="{65D2D6BD-67E1-45FF-8C26-CA3CC2373C36}" type="datetimeFigureOut">
               <a:rPr lang="pt-BR" smtClean="0"/>
-              <a:t>28/02/2024</a:t>
+              <a:t>29/02/2024</a:t>
             </a:fld>
             <a:endParaRPr lang="pt-BR"/>
           </a:p>
@@ -2903,7 +2906,7 @@
           <a:p>
             <a:fld id="{65D2D6BD-67E1-45FF-8C26-CA3CC2373C36}" type="datetimeFigureOut">
               <a:rPr lang="pt-BR" smtClean="0"/>
-              <a:t>28/02/2024</a:t>
+              <a:t>29/02/2024</a:t>
             </a:fld>
             <a:endParaRPr lang="pt-BR"/>
           </a:p>
@@ -3044,7 +3047,7 @@
           <a:p>
             <a:fld id="{65D2D6BD-67E1-45FF-8C26-CA3CC2373C36}" type="datetimeFigureOut">
               <a:rPr lang="pt-BR" smtClean="0"/>
-              <a:t>28/02/2024</a:t>
+              <a:t>29/02/2024</a:t>
             </a:fld>
             <a:endParaRPr lang="pt-BR"/>
           </a:p>
@@ -3157,7 +3160,7 @@
           <a:p>
             <a:fld id="{65D2D6BD-67E1-45FF-8C26-CA3CC2373C36}" type="datetimeFigureOut">
               <a:rPr lang="pt-BR" smtClean="0"/>
-              <a:t>28/02/2024</a:t>
+              <a:t>29/02/2024</a:t>
             </a:fld>
             <a:endParaRPr lang="pt-BR"/>
           </a:p>
@@ -3468,7 +3471,7 @@
           <a:p>
             <a:fld id="{65D2D6BD-67E1-45FF-8C26-CA3CC2373C36}" type="datetimeFigureOut">
               <a:rPr lang="pt-BR" smtClean="0"/>
-              <a:t>28/02/2024</a:t>
+              <a:t>29/02/2024</a:t>
             </a:fld>
             <a:endParaRPr lang="pt-BR"/>
           </a:p>
@@ -3756,7 +3759,7 @@
           <a:p>
             <a:fld id="{65D2D6BD-67E1-45FF-8C26-CA3CC2373C36}" type="datetimeFigureOut">
               <a:rPr lang="pt-BR" smtClean="0"/>
-              <a:t>28/02/2024</a:t>
+              <a:t>29/02/2024</a:t>
             </a:fld>
             <a:endParaRPr lang="pt-BR"/>
           </a:p>
@@ -3997,7 +4000,7 @@
           <a:p>
             <a:fld id="{65D2D6BD-67E1-45FF-8C26-CA3CC2373C36}" type="datetimeFigureOut">
               <a:rPr lang="pt-BR" smtClean="0"/>
-              <a:t>28/02/2024</a:t>
+              <a:t>29/02/2024</a:t>
             </a:fld>
             <a:endParaRPr lang="pt-BR"/>
           </a:p>
@@ -4666,8 +4669,8 @@
           </a:p>
         </p:txBody>
       </p:sp>
-      <mc:AlternateContent xmlns:mc="http://schemas.openxmlformats.org/markup-compatibility/2006">
-        <mc:Choice xmlns:pslz="http://schemas.microsoft.com/office/powerpoint/2016/slidezoom" Requires="pslz">
+      <mc:AlternateContent xmlns:mc="http://schemas.openxmlformats.org/markup-compatibility/2006" xmlns:pslz="http://schemas.microsoft.com/office/powerpoint/2016/slidezoom">
+        <mc:Choice Requires="pslz">
           <p:graphicFrame>
             <p:nvGraphicFramePr>
               <p:cNvPr id="22" name="Zoom de Slide 21">
@@ -4724,7 +4727,7 @@
             </a:graphic>
           </p:graphicFrame>
         </mc:Choice>
-        <mc:Fallback>
+        <mc:Fallback xmlns="">
           <p:pic>
             <p:nvPicPr>
               <p:cNvPr id="22" name="Zoom de Slide 21">
@@ -4740,7 +4743,7 @@
               <p:nvPr/>
             </p:nvPicPr>
             <p:blipFill>
-              <a:blip r:embed="rId3"/>
+              <a:blip r:embed="rId4"/>
               <a:stretch>
                 <a:fillRect/>
               </a:stretch>
@@ -4762,8 +4765,8 @@
           </p:pic>
         </mc:Fallback>
       </mc:AlternateContent>
-      <mc:AlternateContent xmlns:mc="http://schemas.openxmlformats.org/markup-compatibility/2006">
-        <mc:Choice xmlns:pslz="http://schemas.microsoft.com/office/powerpoint/2016/slidezoom" Requires="pslz">
+      <mc:AlternateContent xmlns:mc="http://schemas.openxmlformats.org/markup-compatibility/2006" xmlns:pslz="http://schemas.microsoft.com/office/powerpoint/2016/slidezoom">
+        <mc:Choice Requires="pslz">
           <p:graphicFrame>
             <p:nvGraphicFramePr>
               <p:cNvPr id="24" name="Zoom de Slide 23">
@@ -4794,7 +4797,7 @@
                   <pslz:sldZmObj sldId="259" cId="2869309842">
                     <pslz:zmPr id="{51B8DBE4-3FAF-4A4F-A814-84142A6A034F}" returnToParent="0" transitionDur="1000">
                       <p166:blipFill xmlns:p166="http://schemas.microsoft.com/office/powerpoint/2016/6/main">
-                        <a:blip r:embed="rId4"/>
+                        <a:blip r:embed="rId5"/>
                         <a:stretch>
                           <a:fillRect/>
                         </a:stretch>
@@ -4820,7 +4823,7 @@
             </a:graphic>
           </p:graphicFrame>
         </mc:Choice>
-        <mc:Fallback>
+        <mc:Fallback xmlns="">
           <p:pic>
             <p:nvPicPr>
               <p:cNvPr id="24" name="Zoom de Slide 23">
@@ -4836,7 +4839,7 @@
               <p:nvPr/>
             </p:nvPicPr>
             <p:blipFill>
-              <a:blip r:embed="rId4"/>
+              <a:blip r:embed="rId6"/>
               <a:stretch>
                 <a:fillRect/>
               </a:stretch>
@@ -4858,8 +4861,8 @@
           </p:pic>
         </mc:Fallback>
       </mc:AlternateContent>
-      <mc:AlternateContent xmlns:mc="http://schemas.openxmlformats.org/markup-compatibility/2006">
-        <mc:Choice xmlns:pslz="http://schemas.microsoft.com/office/powerpoint/2016/slidezoom" Requires="pslz">
+      <mc:AlternateContent xmlns:mc="http://schemas.openxmlformats.org/markup-compatibility/2006" xmlns:pslz="http://schemas.microsoft.com/office/powerpoint/2016/slidezoom">
+        <mc:Choice Requires="pslz">
           <p:graphicFrame>
             <p:nvGraphicFramePr>
               <p:cNvPr id="25" name="Zoom de Slide 24">
@@ -4890,7 +4893,7 @@
                   <pslz:sldZmObj sldId="260" cId="1476937279">
                     <pslz:zmPr id="{E4AB7A7A-DA05-47B9-929F-17FED7261D66}" transitionDur="1000">
                       <p166:blipFill xmlns:p166="http://schemas.microsoft.com/office/powerpoint/2016/6/main">
-                        <a:blip r:embed="rId5"/>
+                        <a:blip r:embed="rId7"/>
                         <a:stretch>
                           <a:fillRect/>
                         </a:stretch>
@@ -4916,7 +4919,7 @@
             </a:graphic>
           </p:graphicFrame>
         </mc:Choice>
-        <mc:Fallback>
+        <mc:Fallback xmlns="">
           <p:pic>
             <p:nvPicPr>
               <p:cNvPr id="25" name="Zoom de Slide 24">
@@ -4932,7 +4935,7 @@
               <p:nvPr/>
             </p:nvPicPr>
             <p:blipFill>
-              <a:blip r:embed="rId5"/>
+              <a:blip r:embed="rId8"/>
               <a:stretch>
                 <a:fillRect/>
               </a:stretch>
@@ -5009,8 +5012,8 @@
           </a:p>
         </p:txBody>
       </p:sp>
-      <mc:AlternateContent xmlns:mc="http://schemas.openxmlformats.org/markup-compatibility/2006">
-        <mc:Choice xmlns:pslz="http://schemas.microsoft.com/office/powerpoint/2016/slidezoom" Requires="pslz">
+      <mc:AlternateContent xmlns:mc="http://schemas.openxmlformats.org/markup-compatibility/2006" xmlns:pslz="http://schemas.microsoft.com/office/powerpoint/2016/slidezoom">
+        <mc:Choice Requires="pslz">
           <p:graphicFrame>
             <p:nvGraphicFramePr>
               <p:cNvPr id="42" name="Zoom de Slide 41">
@@ -5041,7 +5044,7 @@
                   <pslz:sldZmObj sldId="262" cId="2412040526">
                     <pslz:zmPr id="{4AE9A695-671B-4699-95E0-B03EDFE1C0D7}" transitionDur="1000">
                       <p166:blipFill xmlns:p166="http://schemas.microsoft.com/office/powerpoint/2016/6/main">
-                        <a:blip r:embed="rId6"/>
+                        <a:blip r:embed="rId9"/>
                         <a:stretch>
                           <a:fillRect/>
                         </a:stretch>
@@ -5067,7 +5070,7 @@
             </a:graphic>
           </p:graphicFrame>
         </mc:Choice>
-        <mc:Fallback>
+        <mc:Fallback xmlns="">
           <p:pic>
             <p:nvPicPr>
               <p:cNvPr id="42" name="Zoom de Slide 41">
@@ -5083,7 +5086,7 @@
               <p:nvPr/>
             </p:nvPicPr>
             <p:blipFill>
-              <a:blip r:embed="rId6"/>
+              <a:blip r:embed="rId10"/>
               <a:stretch>
                 <a:fillRect/>
               </a:stretch>
@@ -5105,8 +5108,8 @@
           </p:pic>
         </mc:Fallback>
       </mc:AlternateContent>
-      <mc:AlternateContent xmlns:mc="http://schemas.openxmlformats.org/markup-compatibility/2006">
-        <mc:Choice xmlns:pslz="http://schemas.microsoft.com/office/powerpoint/2016/slidezoom" Requires="pslz">
+      <mc:AlternateContent xmlns:mc="http://schemas.openxmlformats.org/markup-compatibility/2006" xmlns:pslz="http://schemas.microsoft.com/office/powerpoint/2016/slidezoom">
+        <mc:Choice Requires="pslz">
           <p:graphicFrame>
             <p:nvGraphicFramePr>
               <p:cNvPr id="36" name="Zoom de Slide 35">
@@ -5137,7 +5140,7 @@
                   <pslz:sldZmObj sldId="261" cId="92222293">
                     <pslz:zmPr id="{16ED8319-7393-4F41-9E8B-B9B54A9C8393}" returnToParent="0" transitionDur="1000">
                       <p166:blipFill xmlns:p166="http://schemas.microsoft.com/office/powerpoint/2016/6/main">
-                        <a:blip r:embed="rId7"/>
+                        <a:blip r:embed="rId11"/>
                         <a:stretch>
                           <a:fillRect/>
                         </a:stretch>
@@ -5163,7 +5166,7 @@
             </a:graphic>
           </p:graphicFrame>
         </mc:Choice>
-        <mc:Fallback>
+        <mc:Fallback xmlns="">
           <p:pic>
             <p:nvPicPr>
               <p:cNvPr id="36" name="Zoom de Slide 35">
@@ -5179,7 +5182,7 @@
               <p:nvPr/>
             </p:nvPicPr>
             <p:blipFill>
-              <a:blip r:embed="rId7"/>
+              <a:blip r:embed="rId12"/>
               <a:stretch>
                 <a:fillRect/>
               </a:stretch>
@@ -5307,8 +5310,8 @@
           </a:p>
         </p:txBody>
       </p:sp>
-      <mc:AlternateContent xmlns:mc="http://schemas.openxmlformats.org/markup-compatibility/2006">
-        <mc:Choice xmlns:pslz="http://schemas.microsoft.com/office/powerpoint/2016/slidezoom" Requires="pslz">
+      <mc:AlternateContent xmlns:mc="http://schemas.openxmlformats.org/markup-compatibility/2006" xmlns:pslz="http://schemas.microsoft.com/office/powerpoint/2016/slidezoom">
+        <mc:Choice Requires="pslz">
           <p:graphicFrame>
             <p:nvGraphicFramePr>
               <p:cNvPr id="43" name="Zoom de Slide 42">
@@ -5339,7 +5342,7 @@
                   <pslz:sldZmObj sldId="263" cId="3883649524">
                     <pslz:zmPr id="{70EEA11E-D3C6-4DB4-AE2E-16E305EEDDF4}" returnToParent="0" transitionDur="1000">
                       <p166:blipFill xmlns:p166="http://schemas.microsoft.com/office/powerpoint/2016/6/main">
-                        <a:blip r:embed="rId8"/>
+                        <a:blip r:embed="rId13"/>
                         <a:stretch>
                           <a:fillRect/>
                         </a:stretch>
@@ -5365,7 +5368,7 @@
             </a:graphic>
           </p:graphicFrame>
         </mc:Choice>
-        <mc:Fallback>
+        <mc:Fallback xmlns="">
           <p:pic>
             <p:nvPicPr>
               <p:cNvPr id="43" name="Zoom de Slide 42">
@@ -5381,7 +5384,7 @@
               <p:nvPr/>
             </p:nvPicPr>
             <p:blipFill>
-              <a:blip r:embed="rId8"/>
+              <a:blip r:embed="rId14"/>
               <a:stretch>
                 <a:fillRect/>
               </a:stretch>
@@ -6644,13 +6647,13 @@
   <p:clrMapOvr>
     <a:masterClrMapping/>
   </p:clrMapOvr>
-  <mc:AlternateContent xmlns:mc="http://schemas.openxmlformats.org/markup-compatibility/2006">
-    <mc:Choice xmlns:p14="http://schemas.microsoft.com/office/powerpoint/2010/main" Requires="p14">
+  <mc:AlternateContent xmlns:mc="http://schemas.openxmlformats.org/markup-compatibility/2006" xmlns:p14="http://schemas.microsoft.com/office/powerpoint/2010/main">
+    <mc:Choice Requires="p14">
       <p:transition p14:dur="100">
         <p:cut/>
       </p:transition>
     </mc:Choice>
-    <mc:Fallback>
+    <mc:Fallback xmlns="">
       <p:transition>
         <p:cut/>
       </p:transition>
@@ -7121,7 +7124,7 @@
                   <a:schemeClr val="bg2"/>
                 </a:solidFill>
               </a:rPr>
-              <a:t>MetaMask</a:t>
+              <a:t>SequenceDiagram</a:t>
             </a:r>
             <a:r>
               <a:rPr lang="pt-BR" dirty="0">
@@ -7138,6 +7141,39 @@
                 </a:solidFill>
                 <a:hlinkClick r:id="rId2"/>
               </a:rPr>
+              <a:t>https://sequencediagram.org/</a:t>
+            </a:r>
+            <a:endParaRPr lang="pt-BR" dirty="0">
+              <a:solidFill>
+                <a:schemeClr val="bg2"/>
+              </a:solidFill>
+            </a:endParaRPr>
+          </a:p>
+          <a:p>
+            <a:pPr algn="l"/>
+            <a:r>
+              <a:rPr lang="pt-BR" dirty="0" err="1">
+                <a:solidFill>
+                  <a:schemeClr val="bg2"/>
+                </a:solidFill>
+              </a:rPr>
+              <a:t>MetaMask</a:t>
+            </a:r>
+            <a:r>
+              <a:rPr lang="pt-BR" dirty="0">
+                <a:solidFill>
+                  <a:schemeClr val="bg2"/>
+                </a:solidFill>
+              </a:rPr>
+              <a:t> - </a:t>
+            </a:r>
+            <a:r>
+              <a:rPr lang="pt-BR" dirty="0">
+                <a:solidFill>
+                  <a:schemeClr val="bg2"/>
+                </a:solidFill>
+                <a:hlinkClick r:id="rId3"/>
+              </a:rPr>
               <a:t>https://metamask.io/</a:t>
             </a:r>
             <a:endParaRPr lang="pt-BR" dirty="0">
@@ -7161,7 +7197,7 @@
                 <a:solidFill>
                   <a:schemeClr val="bg2"/>
                 </a:solidFill>
-                <a:hlinkClick r:id="rId3"/>
+                <a:hlinkClick r:id="rId4"/>
               </a:rPr>
               <a:t>https://remix.ethereum.org/</a:t>
             </a:r>
@@ -7194,7 +7230,7 @@
                 <a:solidFill>
                   <a:schemeClr val="bg2"/>
                 </a:solidFill>
-                <a:hlinkClick r:id="rId4"/>
+                <a:hlinkClick r:id="rId5"/>
               </a:rPr>
               <a:t>https://www.openzeppelin.com/</a:t>
             </a:r>
@@ -7219,7 +7255,7 @@
                 <a:solidFill>
                   <a:schemeClr val="bg2"/>
                 </a:solidFill>
-                <a:hlinkClick r:id="rId5"/>
+                <a:hlinkClick r:id="rId6"/>
               </a:rPr>
               <a:t>https://github.com/alexfettermann/MDT/tree/main/Blockchain</a:t>
             </a:r>
@@ -7268,7 +7304,7 @@
                 <a:solidFill>
                   <a:schemeClr val="bg2"/>
                 </a:solidFill>
-                <a:hlinkClick r:id="rId6"/>
+                <a:hlinkClick r:id="rId7"/>
               </a:rPr>
               <a:t>https://sepolia.etherscan.io/</a:t>
             </a:r>
@@ -7333,7 +7369,7 @@
                 <a:solidFill>
                   <a:schemeClr val="bg2"/>
                 </a:solidFill>
-                <a:hlinkClick r:id="rId7"/>
+                <a:hlinkClick r:id="rId8"/>
               </a:rPr>
               <a:t>https://sepolia-faucet.pk910.de/</a:t>
             </a:r>
